--- a/submission/R1/RT_out.pptx
+++ b/submission/R1/RT_out.pptx
@@ -6,6 +6,7 @@
   </p:sldMasterIdLst>
   <p:sldIdLst>
     <p:sldId id="256" r:id="rId2"/>
+    <p:sldId id="257" r:id="rId3"/>
   </p:sldIdLst>
   <p:sldSz cx="12192000" cy="6858000"/>
   <p:notesSz cx="6858000" cy="9144000"/>
@@ -261,7 +262,7 @@
           <a:p>
             <a:fld id="{8D337A75-F447-44E7-BC6E-85886858645C}" type="datetimeFigureOut">
               <a:rPr lang="en-SG" smtClean="0"/>
-              <a:t>30/12/2022</a:t>
+              <a:t>1/1/2023</a:t>
             </a:fld>
             <a:endParaRPr lang="en-SG"/>
           </a:p>
@@ -461,7 +462,7 @@
           <a:p>
             <a:fld id="{8D337A75-F447-44E7-BC6E-85886858645C}" type="datetimeFigureOut">
               <a:rPr lang="en-SG" smtClean="0"/>
-              <a:t>30/12/2022</a:t>
+              <a:t>1/1/2023</a:t>
             </a:fld>
             <a:endParaRPr lang="en-SG"/>
           </a:p>
@@ -671,7 +672,7 @@
           <a:p>
             <a:fld id="{8D337A75-F447-44E7-BC6E-85886858645C}" type="datetimeFigureOut">
               <a:rPr lang="en-SG" smtClean="0"/>
-              <a:t>30/12/2022</a:t>
+              <a:t>1/1/2023</a:t>
             </a:fld>
             <a:endParaRPr lang="en-SG"/>
           </a:p>
@@ -871,7 +872,7 @@
           <a:p>
             <a:fld id="{8D337A75-F447-44E7-BC6E-85886858645C}" type="datetimeFigureOut">
               <a:rPr lang="en-SG" smtClean="0"/>
-              <a:t>30/12/2022</a:t>
+              <a:t>1/1/2023</a:t>
             </a:fld>
             <a:endParaRPr lang="en-SG"/>
           </a:p>
@@ -1147,7 +1148,7 @@
           <a:p>
             <a:fld id="{8D337A75-F447-44E7-BC6E-85886858645C}" type="datetimeFigureOut">
               <a:rPr lang="en-SG" smtClean="0"/>
-              <a:t>30/12/2022</a:t>
+              <a:t>1/1/2023</a:t>
             </a:fld>
             <a:endParaRPr lang="en-SG"/>
           </a:p>
@@ -1415,7 +1416,7 @@
           <a:p>
             <a:fld id="{8D337A75-F447-44E7-BC6E-85886858645C}" type="datetimeFigureOut">
               <a:rPr lang="en-SG" smtClean="0"/>
-              <a:t>30/12/2022</a:t>
+              <a:t>1/1/2023</a:t>
             </a:fld>
             <a:endParaRPr lang="en-SG"/>
           </a:p>
@@ -1830,7 +1831,7 @@
           <a:p>
             <a:fld id="{8D337A75-F447-44E7-BC6E-85886858645C}" type="datetimeFigureOut">
               <a:rPr lang="en-SG" smtClean="0"/>
-              <a:t>30/12/2022</a:t>
+              <a:t>1/1/2023</a:t>
             </a:fld>
             <a:endParaRPr lang="en-SG"/>
           </a:p>
@@ -1972,7 +1973,7 @@
           <a:p>
             <a:fld id="{8D337A75-F447-44E7-BC6E-85886858645C}" type="datetimeFigureOut">
               <a:rPr lang="en-SG" smtClean="0"/>
-              <a:t>30/12/2022</a:t>
+              <a:t>1/1/2023</a:t>
             </a:fld>
             <a:endParaRPr lang="en-SG"/>
           </a:p>
@@ -2085,7 +2086,7 @@
           <a:p>
             <a:fld id="{8D337A75-F447-44E7-BC6E-85886858645C}" type="datetimeFigureOut">
               <a:rPr lang="en-SG" smtClean="0"/>
-              <a:t>30/12/2022</a:t>
+              <a:t>1/1/2023</a:t>
             </a:fld>
             <a:endParaRPr lang="en-SG"/>
           </a:p>
@@ -2398,7 +2399,7 @@
           <a:p>
             <a:fld id="{8D337A75-F447-44E7-BC6E-85886858645C}" type="datetimeFigureOut">
               <a:rPr lang="en-SG" smtClean="0"/>
-              <a:t>30/12/2022</a:t>
+              <a:t>1/1/2023</a:t>
             </a:fld>
             <a:endParaRPr lang="en-SG"/>
           </a:p>
@@ -2687,7 +2688,7 @@
           <a:p>
             <a:fld id="{8D337A75-F447-44E7-BC6E-85886858645C}" type="datetimeFigureOut">
               <a:rPr lang="en-SG" smtClean="0"/>
-              <a:t>30/12/2022</a:t>
+              <a:t>1/1/2023</a:t>
             </a:fld>
             <a:endParaRPr lang="en-SG"/>
           </a:p>
@@ -2930,7 +2931,7 @@
           <a:p>
             <a:fld id="{8D337A75-F447-44E7-BC6E-85886858645C}" type="datetimeFigureOut">
               <a:rPr lang="en-SG" smtClean="0"/>
-              <a:t>30/12/2022</a:t>
+              <a:t>1/1/2023</a:t>
             </a:fld>
             <a:endParaRPr lang="en-SG"/>
           </a:p>
@@ -3743,6 +3744,384 @@
 </p:sld>
 </file>
 
+<file path=ppt/slides/slide2.xml><?xml version="1.0" encoding="utf-8"?>
+<p:sld xmlns:a="http://schemas.openxmlformats.org/drawingml/2006/main" xmlns:r="http://schemas.openxmlformats.org/officeDocument/2006/relationships" xmlns:p="http://schemas.openxmlformats.org/presentationml/2006/main">
+  <p:cSld>
+    <p:spTree>
+      <p:nvGrpSpPr>
+        <p:cNvPr id="1" name=""/>
+        <p:cNvGrpSpPr/>
+        <p:nvPr/>
+      </p:nvGrpSpPr>
+      <p:grpSpPr>
+        <a:xfrm>
+          <a:off x="0" y="0"/>
+          <a:ext cx="0" cy="0"/>
+          <a:chOff x="0" y="0"/>
+          <a:chExt cx="0" cy="0"/>
+        </a:xfrm>
+      </p:grpSpPr>
+      <p:grpSp>
+        <p:nvGrpSpPr>
+          <p:cNvPr id="11" name="Group 10">
+            <a:extLst>
+              <a:ext uri="{FF2B5EF4-FFF2-40B4-BE49-F238E27FC236}">
+                <a16:creationId xmlns:a16="http://schemas.microsoft.com/office/drawing/2014/main" id="{97AE591A-26F2-978A-5F1A-A2DE7082DD8F}"/>
+              </a:ext>
+            </a:extLst>
+          </p:cNvPr>
+          <p:cNvGrpSpPr/>
+          <p:nvPr/>
+        </p:nvGrpSpPr>
+        <p:grpSpPr>
+          <a:xfrm>
+            <a:off x="0" y="0"/>
+            <a:ext cx="12192000" cy="4053840"/>
+            <a:chOff x="0" y="0"/>
+            <a:chExt cx="12192000" cy="4053840"/>
+          </a:xfrm>
+        </p:grpSpPr>
+        <p:sp>
+          <p:nvSpPr>
+            <p:cNvPr id="9" name="Rectangle 8">
+              <a:extLst>
+                <a:ext uri="{FF2B5EF4-FFF2-40B4-BE49-F238E27FC236}">
+                  <a16:creationId xmlns:a16="http://schemas.microsoft.com/office/drawing/2014/main" id="{848AE3BE-73F9-9FEE-5768-0B0658345ABB}"/>
+                </a:ext>
+              </a:extLst>
+            </p:cNvPr>
+            <p:cNvSpPr/>
+            <p:nvPr/>
+          </p:nvSpPr>
+          <p:spPr>
+            <a:xfrm>
+              <a:off x="0" y="0"/>
+              <a:ext cx="12192000" cy="4053840"/>
+            </a:xfrm>
+            <a:prstGeom prst="rect">
+              <a:avLst/>
+            </a:prstGeom>
+            <a:solidFill>
+              <a:schemeClr val="bg1"/>
+            </a:solidFill>
+            <a:ln>
+              <a:noFill/>
+            </a:ln>
+          </p:spPr>
+          <p:style>
+            <a:lnRef idx="2">
+              <a:schemeClr val="accent1">
+                <a:shade val="50000"/>
+              </a:schemeClr>
+            </a:lnRef>
+            <a:fillRef idx="1">
+              <a:schemeClr val="accent1"/>
+            </a:fillRef>
+            <a:effectRef idx="0">
+              <a:schemeClr val="accent1"/>
+            </a:effectRef>
+            <a:fontRef idx="minor">
+              <a:schemeClr val="lt1"/>
+            </a:fontRef>
+          </p:style>
+          <p:txBody>
+            <a:bodyPr rtlCol="0" anchor="ctr"/>
+            <a:lstStyle/>
+            <a:p>
+              <a:pPr algn="ctr"/>
+              <a:endParaRPr lang="en-GB"/>
+            </a:p>
+          </p:txBody>
+        </p:sp>
+        <p:sp>
+          <p:nvSpPr>
+            <p:cNvPr id="22" name="Rectangle 21">
+              <a:extLst>
+                <a:ext uri="{FF2B5EF4-FFF2-40B4-BE49-F238E27FC236}">
+                  <a16:creationId xmlns:a16="http://schemas.microsoft.com/office/drawing/2014/main" id="{7CCEA4DA-16B1-801E-23E3-0906A4B06282}"/>
+                </a:ext>
+              </a:extLst>
+            </p:cNvPr>
+            <p:cNvSpPr/>
+            <p:nvPr/>
+          </p:nvSpPr>
+          <p:spPr>
+            <a:xfrm>
+              <a:off x="382458" y="142341"/>
+              <a:ext cx="2854325" cy="579112"/>
+            </a:xfrm>
+            <a:prstGeom prst="rect">
+              <a:avLst/>
+            </a:prstGeom>
+            <a:solidFill>
+              <a:srgbClr val="FF0000"/>
+            </a:solidFill>
+            <a:ln>
+              <a:noFill/>
+            </a:ln>
+          </p:spPr>
+          <p:style>
+            <a:lnRef idx="2">
+              <a:schemeClr val="accent6">
+                <a:shade val="50000"/>
+              </a:schemeClr>
+            </a:lnRef>
+            <a:fillRef idx="1">
+              <a:schemeClr val="accent6"/>
+            </a:fillRef>
+            <a:effectRef idx="0">
+              <a:schemeClr val="accent6"/>
+            </a:effectRef>
+            <a:fontRef idx="minor">
+              <a:schemeClr val="lt1"/>
+            </a:fontRef>
+          </p:style>
+          <p:txBody>
+            <a:bodyPr rtlCol="0" anchor="ctr"/>
+            <a:lstStyle/>
+            <a:p>
+              <a:pPr algn="ctr"/>
+              <a:r>
+                <a:rPr lang="en-SG" dirty="0"/>
+                <a:t>Remove</a:t>
+              </a:r>
+            </a:p>
+          </p:txBody>
+        </p:sp>
+        <p:sp>
+          <p:nvSpPr>
+            <p:cNvPr id="23" name="Rectangle 22">
+              <a:extLst>
+                <a:ext uri="{FF2B5EF4-FFF2-40B4-BE49-F238E27FC236}">
+                  <a16:creationId xmlns:a16="http://schemas.microsoft.com/office/drawing/2014/main" id="{A0B850DD-9166-F585-9CB3-AA35ADD5E543}"/>
+                </a:ext>
+              </a:extLst>
+            </p:cNvPr>
+            <p:cNvSpPr/>
+            <p:nvPr/>
+          </p:nvSpPr>
+          <p:spPr>
+            <a:xfrm>
+              <a:off x="8455402" y="142341"/>
+              <a:ext cx="2854325" cy="579112"/>
+            </a:xfrm>
+            <a:prstGeom prst="rect">
+              <a:avLst/>
+            </a:prstGeom>
+            <a:solidFill>
+              <a:schemeClr val="accent1">
+                <a:lumMod val="75000"/>
+              </a:schemeClr>
+            </a:solidFill>
+            <a:ln>
+              <a:noFill/>
+            </a:ln>
+          </p:spPr>
+          <p:style>
+            <a:lnRef idx="2">
+              <a:schemeClr val="accent6">
+                <a:shade val="50000"/>
+              </a:schemeClr>
+            </a:lnRef>
+            <a:fillRef idx="1">
+              <a:schemeClr val="accent6"/>
+            </a:fillRef>
+            <a:effectRef idx="0">
+              <a:schemeClr val="accent6"/>
+            </a:effectRef>
+            <a:fontRef idx="minor">
+              <a:schemeClr val="lt1"/>
+            </a:fontRef>
+          </p:style>
+          <p:txBody>
+            <a:bodyPr rtlCol="0" anchor="ctr"/>
+            <a:lstStyle/>
+            <a:p>
+              <a:pPr algn="ctr"/>
+              <a:r>
+                <a:rPr lang="en-SG" dirty="0"/>
+                <a:t>Normal </a:t>
+              </a:r>
+            </a:p>
+          </p:txBody>
+        </p:sp>
+        <p:sp>
+          <p:nvSpPr>
+            <p:cNvPr id="2" name="Rectangle 1">
+              <a:extLst>
+                <a:ext uri="{FF2B5EF4-FFF2-40B4-BE49-F238E27FC236}">
+                  <a16:creationId xmlns:a16="http://schemas.microsoft.com/office/drawing/2014/main" id="{E9A252ED-1934-9BB4-A650-DA61ACC95CFE}"/>
+                </a:ext>
+              </a:extLst>
+            </p:cNvPr>
+            <p:cNvSpPr/>
+            <p:nvPr/>
+          </p:nvSpPr>
+          <p:spPr>
+            <a:xfrm>
+              <a:off x="4418930" y="142341"/>
+              <a:ext cx="2854325" cy="579112"/>
+            </a:xfrm>
+            <a:prstGeom prst="rect">
+              <a:avLst/>
+            </a:prstGeom>
+            <a:solidFill>
+              <a:schemeClr val="accent2"/>
+            </a:solidFill>
+            <a:ln>
+              <a:noFill/>
+            </a:ln>
+          </p:spPr>
+          <p:style>
+            <a:lnRef idx="2">
+              <a:schemeClr val="accent6">
+                <a:shade val="50000"/>
+              </a:schemeClr>
+            </a:lnRef>
+            <a:fillRef idx="1">
+              <a:schemeClr val="accent6"/>
+            </a:fillRef>
+            <a:effectRef idx="0">
+              <a:schemeClr val="accent6"/>
+            </a:effectRef>
+            <a:fontRef idx="minor">
+              <a:schemeClr val="lt1"/>
+            </a:fontRef>
+          </p:style>
+          <p:txBody>
+            <a:bodyPr rtlCol="0" anchor="ctr"/>
+            <a:lstStyle/>
+            <a:p>
+              <a:pPr algn="ctr"/>
+              <a:r>
+                <a:rPr lang="en-SG" dirty="0"/>
+                <a:t>Remove second block</a:t>
+              </a:r>
+            </a:p>
+          </p:txBody>
+        </p:sp>
+        <p:pic>
+          <p:nvPicPr>
+            <p:cNvPr id="6" name="Picture 5" descr="Chart&#10;&#10;Description automatically generated">
+              <a:extLst>
+                <a:ext uri="{FF2B5EF4-FFF2-40B4-BE49-F238E27FC236}">
+                  <a16:creationId xmlns:a16="http://schemas.microsoft.com/office/drawing/2014/main" id="{B8006651-EFB2-135A-97D6-FB6B133A88F6}"/>
+                </a:ext>
+              </a:extLst>
+            </p:cNvPr>
+            <p:cNvPicPr>
+              <a:picLocks noChangeAspect="1"/>
+            </p:cNvPicPr>
+            <p:nvPr/>
+          </p:nvPicPr>
+          <p:blipFill>
+            <a:blip r:embed="rId2">
+              <a:extLst>
+                <a:ext uri="{28A0092B-C50C-407E-A947-70E740481C1C}">
+                  <a14:useLocalDpi xmlns:a14="http://schemas.microsoft.com/office/drawing/2010/main" val="0"/>
+                </a:ext>
+              </a:extLst>
+            </a:blip>
+            <a:stretch>
+              <a:fillRect/>
+            </a:stretch>
+          </p:blipFill>
+          <p:spPr>
+            <a:xfrm>
+              <a:off x="4072661" y="812460"/>
+              <a:ext cx="3267659" cy="3046915"/>
+            </a:xfrm>
+            <a:prstGeom prst="rect">
+              <a:avLst/>
+            </a:prstGeom>
+          </p:spPr>
+        </p:pic>
+        <p:pic>
+          <p:nvPicPr>
+            <p:cNvPr id="8" name="Picture 7" descr="A picture containing shape&#10;&#10;Description automatically generated">
+              <a:extLst>
+                <a:ext uri="{FF2B5EF4-FFF2-40B4-BE49-F238E27FC236}">
+                  <a16:creationId xmlns:a16="http://schemas.microsoft.com/office/drawing/2014/main" id="{DBBB3497-AB1E-6CB6-C092-549FC42D5246}"/>
+                </a:ext>
+              </a:extLst>
+            </p:cNvPr>
+            <p:cNvPicPr>
+              <a:picLocks noChangeAspect="1"/>
+            </p:cNvPicPr>
+            <p:nvPr/>
+          </p:nvPicPr>
+          <p:blipFill>
+            <a:blip r:embed="rId3">
+              <a:extLst>
+                <a:ext uri="{28A0092B-C50C-407E-A947-70E740481C1C}">
+                  <a14:useLocalDpi xmlns:a14="http://schemas.microsoft.com/office/drawing/2010/main" val="0"/>
+                </a:ext>
+              </a:extLst>
+            </a:blip>
+            <a:stretch>
+              <a:fillRect/>
+            </a:stretch>
+          </p:blipFill>
+          <p:spPr>
+            <a:xfrm>
+              <a:off x="8455403" y="805437"/>
+              <a:ext cx="3396670" cy="3053938"/>
+            </a:xfrm>
+            <a:prstGeom prst="rect">
+              <a:avLst/>
+            </a:prstGeom>
+          </p:spPr>
+        </p:pic>
+        <p:pic>
+          <p:nvPicPr>
+            <p:cNvPr id="26" name="Picture 25" descr="Shape&#10;&#10;Description automatically generated">
+              <a:extLst>
+                <a:ext uri="{FF2B5EF4-FFF2-40B4-BE49-F238E27FC236}">
+                  <a16:creationId xmlns:a16="http://schemas.microsoft.com/office/drawing/2014/main" id="{045A2DA9-4F84-4783-D7C2-06A69EEDE6B7}"/>
+                </a:ext>
+              </a:extLst>
+            </p:cNvPr>
+            <p:cNvPicPr>
+              <a:picLocks noChangeAspect="1"/>
+            </p:cNvPicPr>
+            <p:nvPr/>
+          </p:nvPicPr>
+          <p:blipFill>
+            <a:blip r:embed="rId4">
+              <a:extLst>
+                <a:ext uri="{28A0092B-C50C-407E-A947-70E740481C1C}">
+                  <a14:useLocalDpi xmlns:a14="http://schemas.microsoft.com/office/drawing/2010/main" val="0"/>
+                </a:ext>
+              </a:extLst>
+            </a:blip>
+            <a:stretch>
+              <a:fillRect/>
+            </a:stretch>
+          </p:blipFill>
+          <p:spPr>
+            <a:xfrm>
+              <a:off x="177679" y="1049330"/>
+              <a:ext cx="3578545" cy="2786599"/>
+            </a:xfrm>
+            <a:prstGeom prst="rect">
+              <a:avLst/>
+            </a:prstGeom>
+          </p:spPr>
+        </p:pic>
+      </p:grpSp>
+    </p:spTree>
+    <p:extLst>
+      <p:ext uri="{BB962C8B-B14F-4D97-AF65-F5344CB8AC3E}">
+        <p14:creationId xmlns:p14="http://schemas.microsoft.com/office/powerpoint/2010/main" val="181051860"/>
+      </p:ext>
+    </p:extLst>
+  </p:cSld>
+  <p:clrMapOvr>
+    <a:masterClrMapping/>
+  </p:clrMapOvr>
+</p:sld>
+</file>
+
 <file path=ppt/theme/theme1.xml><?xml version="1.0" encoding="utf-8"?>
 <a:theme xmlns:a="http://schemas.openxmlformats.org/drawingml/2006/main" name="Office Theme">
   <a:themeElements>
